--- a/docs/FMS -Implementation approach.pptx
+++ b/docs/FMS -Implementation approach.pptx
@@ -831,7 +831,7 @@
           <a:p>
             <a:fld id="{82DB116C-EFE7-4760-B4B7-A4181F30F188}" type="datetimeFigureOut">
               <a:rPr lang="en-US" smtClean="0"/>
-              <a:t>5/13/2023</a:t>
+              <a:t>5/14/2023</a:t>
             </a:fld>
             <a:endParaRPr lang="en-US"/>
           </a:p>
@@ -1029,7 +1029,7 @@
           <a:p>
             <a:fld id="{82DB116C-EFE7-4760-B4B7-A4181F30F188}" type="datetimeFigureOut">
               <a:rPr lang="en-US" smtClean="0"/>
-              <a:t>5/13/2023</a:t>
+              <a:t>5/14/2023</a:t>
             </a:fld>
             <a:endParaRPr lang="en-US"/>
           </a:p>
@@ -1237,7 +1237,7 @@
           <a:p>
             <a:fld id="{82DB116C-EFE7-4760-B4B7-A4181F30F188}" type="datetimeFigureOut">
               <a:rPr lang="en-US" smtClean="0"/>
-              <a:t>5/13/2023</a:t>
+              <a:t>5/14/2023</a:t>
             </a:fld>
             <a:endParaRPr lang="en-US"/>
           </a:p>
@@ -1435,7 +1435,7 @@
           <a:p>
             <a:fld id="{82DB116C-EFE7-4760-B4B7-A4181F30F188}" type="datetimeFigureOut">
               <a:rPr lang="en-US" smtClean="0"/>
-              <a:t>5/13/2023</a:t>
+              <a:t>5/14/2023</a:t>
             </a:fld>
             <a:endParaRPr lang="en-US"/>
           </a:p>
@@ -1710,7 +1710,7 @@
           <a:p>
             <a:fld id="{82DB116C-EFE7-4760-B4B7-A4181F30F188}" type="datetimeFigureOut">
               <a:rPr lang="en-US" smtClean="0"/>
-              <a:t>5/13/2023</a:t>
+              <a:t>5/14/2023</a:t>
             </a:fld>
             <a:endParaRPr lang="en-US"/>
           </a:p>
@@ -1975,7 +1975,7 @@
           <a:p>
             <a:fld id="{82DB116C-EFE7-4760-B4B7-A4181F30F188}" type="datetimeFigureOut">
               <a:rPr lang="en-US" smtClean="0"/>
-              <a:t>5/13/2023</a:t>
+              <a:t>5/14/2023</a:t>
             </a:fld>
             <a:endParaRPr lang="en-US"/>
           </a:p>
@@ -2387,7 +2387,7 @@
           <a:p>
             <a:fld id="{82DB116C-EFE7-4760-B4B7-A4181F30F188}" type="datetimeFigureOut">
               <a:rPr lang="en-US" smtClean="0"/>
-              <a:t>5/13/2023</a:t>
+              <a:t>5/14/2023</a:t>
             </a:fld>
             <a:endParaRPr lang="en-US"/>
           </a:p>
@@ -2528,7 +2528,7 @@
           <a:p>
             <a:fld id="{82DB116C-EFE7-4760-B4B7-A4181F30F188}" type="datetimeFigureOut">
               <a:rPr lang="en-US" smtClean="0"/>
-              <a:t>5/13/2023</a:t>
+              <a:t>5/14/2023</a:t>
             </a:fld>
             <a:endParaRPr lang="en-US"/>
           </a:p>
@@ -2641,7 +2641,7 @@
           <a:p>
             <a:fld id="{82DB116C-EFE7-4760-B4B7-A4181F30F188}" type="datetimeFigureOut">
               <a:rPr lang="en-US" smtClean="0"/>
-              <a:t>5/13/2023</a:t>
+              <a:t>5/14/2023</a:t>
             </a:fld>
             <a:endParaRPr lang="en-US"/>
           </a:p>
@@ -2952,7 +2952,7 @@
           <a:p>
             <a:fld id="{82DB116C-EFE7-4760-B4B7-A4181F30F188}" type="datetimeFigureOut">
               <a:rPr lang="en-US" smtClean="0"/>
-              <a:t>5/13/2023</a:t>
+              <a:t>5/14/2023</a:t>
             </a:fld>
             <a:endParaRPr lang="en-US"/>
           </a:p>
@@ -3240,7 +3240,7 @@
           <a:p>
             <a:fld id="{82DB116C-EFE7-4760-B4B7-A4181F30F188}" type="datetimeFigureOut">
               <a:rPr lang="en-US" smtClean="0"/>
-              <a:t>5/13/2023</a:t>
+              <a:t>5/14/2023</a:t>
             </a:fld>
             <a:endParaRPr lang="en-US"/>
           </a:p>
@@ -3481,7 +3481,7 @@
           <a:p>
             <a:fld id="{82DB116C-EFE7-4760-B4B7-A4181F30F188}" type="datetimeFigureOut">
               <a:rPr lang="en-US" smtClean="0"/>
-              <a:t>5/13/2023</a:t>
+              <a:t>5/14/2023</a:t>
             </a:fld>
             <a:endParaRPr lang="en-US"/>
           </a:p>
@@ -4007,7 +4007,7 @@
           <a:p>
             <a:r>
               <a:rPr lang="en-US" dirty="0"/>
-              <a:t>Flight Management System</a:t>
+              <a:t>Implementation</a:t>
             </a:r>
           </a:p>
         </p:txBody>
@@ -4033,10 +4033,7 @@
           <a:bodyPr/>
           <a:lstStyle/>
           <a:p>
-            <a:r>
-              <a:rPr lang="en-US" dirty="0"/>
-              <a:t>Implementation Details</a:t>
-            </a:r>
+            <a:endParaRPr lang="en-US" dirty="0"/>
           </a:p>
         </p:txBody>
       </p:sp>
@@ -4510,8 +4507,8 @@
           </a:xfrm>
         </p:spPr>
       </p:pic>
-      <mc:AlternateContent xmlns:mc="http://schemas.openxmlformats.org/markup-compatibility/2006">
-        <mc:Choice xmlns:p14="http://schemas.microsoft.com/office/powerpoint/2010/main" Requires="p14">
+      <mc:AlternateContent xmlns:mc="http://schemas.openxmlformats.org/markup-compatibility/2006" xmlns:p14="http://schemas.microsoft.com/office/powerpoint/2010/main">
+        <mc:Choice Requires="p14">
           <p:contentPart p14:bwMode="auto" r:id="rId3">
             <p14:nvContentPartPr>
               <p14:cNvPr id="6" name="Ink 5">
@@ -4530,7 +4527,7 @@
             </p14:xfrm>
           </p:contentPart>
         </mc:Choice>
-        <mc:Fallback>
+        <mc:Fallback xmlns="">
           <p:pic>
             <p:nvPicPr>
               <p:cNvPr id="6" name="Ink 5">
@@ -4591,8 +4588,8 @@
           </a:prstGeom>
         </p:spPr>
       </p:pic>
-      <mc:AlternateContent xmlns:mc="http://schemas.openxmlformats.org/markup-compatibility/2006">
-        <mc:Choice xmlns:p14="http://schemas.microsoft.com/office/powerpoint/2010/main" Requires="p14">
+      <mc:AlternateContent xmlns:mc="http://schemas.openxmlformats.org/markup-compatibility/2006" xmlns:p14="http://schemas.microsoft.com/office/powerpoint/2010/main">
+        <mc:Choice Requires="p14">
           <p:contentPart p14:bwMode="auto" r:id="rId6">
             <p14:nvContentPartPr>
               <p14:cNvPr id="9" name="Ink 8">
@@ -4611,7 +4608,7 @@
             </p14:xfrm>
           </p:contentPart>
         </mc:Choice>
-        <mc:Fallback>
+        <mc:Fallback xmlns="">
           <p:pic>
             <p:nvPicPr>
               <p:cNvPr id="9" name="Ink 8">
@@ -4642,8 +4639,8 @@
           </p:pic>
         </mc:Fallback>
       </mc:AlternateContent>
-      <mc:AlternateContent xmlns:mc="http://schemas.openxmlformats.org/markup-compatibility/2006">
-        <mc:Choice xmlns:p14="http://schemas.microsoft.com/office/powerpoint/2010/main" Requires="p14">
+      <mc:AlternateContent xmlns:mc="http://schemas.openxmlformats.org/markup-compatibility/2006" xmlns:p14="http://schemas.microsoft.com/office/powerpoint/2010/main">
+        <mc:Choice Requires="p14">
           <p:contentPart p14:bwMode="auto" r:id="rId8">
             <p14:nvContentPartPr>
               <p14:cNvPr id="10" name="Ink 9">
@@ -4662,7 +4659,7 @@
             </p14:xfrm>
           </p:contentPart>
         </mc:Choice>
-        <mc:Fallback>
+        <mc:Fallback xmlns="">
           <p:pic>
             <p:nvPicPr>
               <p:cNvPr id="10" name="Ink 9">
@@ -4713,8 +4710,8 @@
             <a:chExt cx="2536200" cy="2937600"/>
           </a:xfrm>
         </p:grpSpPr>
-        <mc:AlternateContent xmlns:mc="http://schemas.openxmlformats.org/markup-compatibility/2006">
-          <mc:Choice xmlns:p14="http://schemas.microsoft.com/office/powerpoint/2010/main" Requires="p14">
+        <mc:AlternateContent xmlns:mc="http://schemas.openxmlformats.org/markup-compatibility/2006" xmlns:p14="http://schemas.microsoft.com/office/powerpoint/2010/main">
+          <mc:Choice Requires="p14">
             <p:contentPart p14:bwMode="auto" r:id="rId10">
               <p14:nvContentPartPr>
                 <p14:cNvPr id="11" name="Ink 10">
@@ -4733,7 +4730,7 @@
               </p14:xfrm>
             </p:contentPart>
           </mc:Choice>
-          <mc:Fallback>
+          <mc:Fallback xmlns="">
             <p:pic>
               <p:nvPicPr>
                 <p:cNvPr id="11" name="Ink 10">
@@ -4764,8 +4761,8 @@
             </p:pic>
           </mc:Fallback>
         </mc:AlternateContent>
-        <mc:AlternateContent xmlns:mc="http://schemas.openxmlformats.org/markup-compatibility/2006">
-          <mc:Choice xmlns:p14="http://schemas.microsoft.com/office/powerpoint/2010/main" Requires="p14">
+        <mc:AlternateContent xmlns:mc="http://schemas.openxmlformats.org/markup-compatibility/2006" xmlns:p14="http://schemas.microsoft.com/office/powerpoint/2010/main">
+          <mc:Choice Requires="p14">
             <p:contentPart p14:bwMode="auto" r:id="rId12">
               <p14:nvContentPartPr>
                 <p14:cNvPr id="12" name="Ink 11">
@@ -4784,7 +4781,7 @@
               </p14:xfrm>
             </p:contentPart>
           </mc:Choice>
-          <mc:Fallback>
+          <mc:Fallback xmlns="">
             <p:pic>
               <p:nvPicPr>
                 <p:cNvPr id="12" name="Ink 11">
@@ -4815,8 +4812,8 @@
             </p:pic>
           </mc:Fallback>
         </mc:AlternateContent>
-        <mc:AlternateContent xmlns:mc="http://schemas.openxmlformats.org/markup-compatibility/2006">
-          <mc:Choice xmlns:p14="http://schemas.microsoft.com/office/powerpoint/2010/main" Requires="p14">
+        <mc:AlternateContent xmlns:mc="http://schemas.openxmlformats.org/markup-compatibility/2006" xmlns:p14="http://schemas.microsoft.com/office/powerpoint/2010/main">
+          <mc:Choice Requires="p14">
             <p:contentPart p14:bwMode="auto" r:id="rId14">
               <p14:nvContentPartPr>
                 <p14:cNvPr id="14" name="Ink 13">
@@ -4835,7 +4832,7 @@
               </p14:xfrm>
             </p:contentPart>
           </mc:Choice>
-          <mc:Fallback>
+          <mc:Fallback xmlns="">
             <p:pic>
               <p:nvPicPr>
                 <p:cNvPr id="14" name="Ink 13">
@@ -5069,8 +5066,8 @@
           </a:p>
         </p:txBody>
       </p:sp>
-      <mc:AlternateContent xmlns:mc="http://schemas.openxmlformats.org/markup-compatibility/2006">
-        <mc:Choice xmlns:p14="http://schemas.microsoft.com/office/powerpoint/2010/main" Requires="p14">
+      <mc:AlternateContent xmlns:mc="http://schemas.openxmlformats.org/markup-compatibility/2006" xmlns:p14="http://schemas.microsoft.com/office/powerpoint/2010/main">
+        <mc:Choice Requires="p14">
           <p:contentPart p14:bwMode="auto" r:id="rId4">
             <p14:nvContentPartPr>
               <p14:cNvPr id="9" name="Ink 8">
@@ -5089,7 +5086,7 @@
             </p14:xfrm>
           </p:contentPart>
         </mc:Choice>
-        <mc:Fallback>
+        <mc:Fallback xmlns="">
           <p:pic>
             <p:nvPicPr>
               <p:cNvPr id="9" name="Ink 8">
@@ -5120,8 +5117,8 @@
           </p:pic>
         </mc:Fallback>
       </mc:AlternateContent>
-      <mc:AlternateContent xmlns:mc="http://schemas.openxmlformats.org/markup-compatibility/2006">
-        <mc:Choice xmlns:p14="http://schemas.microsoft.com/office/powerpoint/2010/main" Requires="p14">
+      <mc:AlternateContent xmlns:mc="http://schemas.openxmlformats.org/markup-compatibility/2006" xmlns:p14="http://schemas.microsoft.com/office/powerpoint/2010/main">
+        <mc:Choice Requires="p14">
           <p:contentPart p14:bwMode="auto" r:id="rId6">
             <p14:nvContentPartPr>
               <p14:cNvPr id="10" name="Ink 9">
@@ -5140,7 +5137,7 @@
             </p14:xfrm>
           </p:contentPart>
         </mc:Choice>
-        <mc:Fallback>
+        <mc:Fallback xmlns="">
           <p:pic>
             <p:nvPicPr>
               <p:cNvPr id="10" name="Ink 9">
@@ -5229,12 +5226,70 @@
           </a:p>
         </p:txBody>
       </p:sp>
+      <p:sp>
+        <p:nvSpPr>
+          <p:cNvPr id="4" name="Content Placeholder 3">
+            <a:extLst>
+              <a:ext uri="{FF2B5EF4-FFF2-40B4-BE49-F238E27FC236}">
+                <a16:creationId xmlns:a16="http://schemas.microsoft.com/office/drawing/2014/main" id="{F0C11FD0-16CF-3447-2CAB-93F5A689D21B}"/>
+              </a:ext>
+            </a:extLst>
+          </p:cNvPr>
+          <p:cNvSpPr>
+            <a:spLocks noGrp="1"/>
+          </p:cNvSpPr>
+          <p:nvPr>
+            <p:ph sz="half" idx="2"/>
+          </p:nvPr>
+        </p:nvSpPr>
+        <p:spPr/>
+        <p:txBody>
+          <a:bodyPr/>
+          <a:lstStyle/>
+          <a:p>
+            <a:r>
+              <a:rPr lang="en-US" dirty="0"/>
+              <a:t>Coding application logic</a:t>
+            </a:r>
+          </a:p>
+          <a:p>
+            <a:r>
+              <a:rPr lang="en-US" dirty="0"/>
+              <a:t>Implementing tests</a:t>
+            </a:r>
+          </a:p>
+          <a:p>
+            <a:r>
+              <a:rPr lang="en-US" dirty="0"/>
+              <a:t>Debugging &amp; fixing issues</a:t>
+            </a:r>
+          </a:p>
+          <a:p>
+            <a:r>
+              <a:rPr lang="en-US" dirty="0"/>
+              <a:t>Running tests</a:t>
+            </a:r>
+          </a:p>
+          <a:p>
+            <a:r>
+              <a:rPr lang="en-US" dirty="0"/>
+              <a:t>Pushing changes to git repository</a:t>
+            </a:r>
+          </a:p>
+          <a:p>
+            <a:r>
+              <a:rPr lang="en-US" dirty="0"/>
+              <a:t>Collaborating with team members</a:t>
+            </a:r>
+          </a:p>
+        </p:txBody>
+      </p:sp>
       <p:pic>
         <p:nvPicPr>
-          <p:cNvPr id="2052" name="Picture 4" descr="What is a developer and why do you need one">
-            <a:extLst>
-              <a:ext uri="{FF2B5EF4-FFF2-40B4-BE49-F238E27FC236}">
-                <a16:creationId xmlns:a16="http://schemas.microsoft.com/office/drawing/2014/main" id="{19D19116-3BAA-57F1-A17C-4F9C21F240FF}"/>
+          <p:cNvPr id="1026" name="Picture 2" descr="Git Tutorial | Why do we need Git? | Applications of GIT">
+            <a:extLst>
+              <a:ext uri="{FF2B5EF4-FFF2-40B4-BE49-F238E27FC236}">
+                <a16:creationId xmlns:a16="http://schemas.microsoft.com/office/drawing/2014/main" id="{226E1FAE-DEBF-F6AC-DC65-78CAE0B3EBDE}"/>
               </a:ext>
             </a:extLst>
           </p:cNvPr>
@@ -5258,8 +5313,8 @@
         </p:blipFill>
         <p:spPr bwMode="auto">
           <a:xfrm>
-            <a:off x="2705100" y="1993852"/>
-            <a:ext cx="6781800" cy="3812113"/>
+            <a:off x="638175" y="1978194"/>
+            <a:ext cx="5288370" cy="3492162"/>
           </a:xfrm>
           <a:prstGeom prst="rect">
             <a:avLst/>
@@ -5494,7 +5549,7 @@
           <a:p>
             <a:r>
               <a:rPr lang="en-US" dirty="0"/>
-              <a:t>Flight Management System</a:t>
+              <a:t>Requirements Analysis</a:t>
             </a:r>
           </a:p>
         </p:txBody>
@@ -5520,10 +5575,7 @@
           <a:bodyPr/>
           <a:lstStyle/>
           <a:p>
-            <a:r>
-              <a:rPr lang="en-US" dirty="0"/>
-              <a:t>Requirements Analysis</a:t>
-            </a:r>
+            <a:endParaRPr lang="en-US" dirty="0"/>
           </a:p>
         </p:txBody>
       </p:sp>
@@ -5820,8 +5872,8 @@
           </a:prstGeom>
         </p:spPr>
       </p:pic>
-      <mc:AlternateContent xmlns:mc="http://schemas.openxmlformats.org/markup-compatibility/2006">
-        <mc:Choice xmlns:p14="http://schemas.microsoft.com/office/powerpoint/2010/main" Requires="p14">
+      <mc:AlternateContent xmlns:mc="http://schemas.openxmlformats.org/markup-compatibility/2006" xmlns:p14="http://schemas.microsoft.com/office/powerpoint/2010/main">
+        <mc:Choice Requires="p14">
           <p:contentPart p14:bwMode="auto" r:id="rId5">
             <p14:nvContentPartPr>
               <p14:cNvPr id="11" name="Ink 10">
@@ -5840,7 +5892,7 @@
             </p14:xfrm>
           </p:contentPart>
         </mc:Choice>
-        <mc:Fallback>
+        <mc:Fallback xmlns="">
           <p:pic>
             <p:nvPicPr>
               <p:cNvPr id="11" name="Ink 10">
@@ -5871,8 +5923,8 @@
           </p:pic>
         </mc:Fallback>
       </mc:AlternateContent>
-      <mc:AlternateContent xmlns:mc="http://schemas.openxmlformats.org/markup-compatibility/2006">
-        <mc:Choice xmlns:p14="http://schemas.microsoft.com/office/powerpoint/2010/main" Requires="p14">
+      <mc:AlternateContent xmlns:mc="http://schemas.openxmlformats.org/markup-compatibility/2006" xmlns:p14="http://schemas.microsoft.com/office/powerpoint/2010/main">
+        <mc:Choice Requires="p14">
           <p:contentPart p14:bwMode="auto" r:id="rId7">
             <p14:nvContentPartPr>
               <p14:cNvPr id="12" name="Ink 11">
@@ -5891,7 +5943,7 @@
             </p14:xfrm>
           </p:contentPart>
         </mc:Choice>
-        <mc:Fallback>
+        <mc:Fallback xmlns="">
           <p:pic>
             <p:nvPicPr>
               <p:cNvPr id="12" name="Ink 11">
@@ -5922,8 +5974,8 @@
           </p:pic>
         </mc:Fallback>
       </mc:AlternateContent>
-      <mc:AlternateContent xmlns:mc="http://schemas.openxmlformats.org/markup-compatibility/2006">
-        <mc:Choice xmlns:p14="http://schemas.microsoft.com/office/powerpoint/2010/main" Requires="p14">
+      <mc:AlternateContent xmlns:mc="http://schemas.openxmlformats.org/markup-compatibility/2006" xmlns:p14="http://schemas.microsoft.com/office/powerpoint/2010/main">
+        <mc:Choice Requires="p14">
           <p:contentPart p14:bwMode="auto" r:id="rId9">
             <p14:nvContentPartPr>
               <p14:cNvPr id="13" name="Ink 12">
@@ -5942,7 +5994,7 @@
             </p14:xfrm>
           </p:contentPart>
         </mc:Choice>
-        <mc:Fallback>
+        <mc:Fallback xmlns="">
           <p:pic>
             <p:nvPicPr>
               <p:cNvPr id="13" name="Ink 12">
@@ -5973,8 +6025,8 @@
           </p:pic>
         </mc:Fallback>
       </mc:AlternateContent>
-      <mc:AlternateContent xmlns:mc="http://schemas.openxmlformats.org/markup-compatibility/2006">
-        <mc:Choice xmlns:p14="http://schemas.microsoft.com/office/powerpoint/2010/main" Requires="p14">
+      <mc:AlternateContent xmlns:mc="http://schemas.openxmlformats.org/markup-compatibility/2006" xmlns:p14="http://schemas.microsoft.com/office/powerpoint/2010/main">
+        <mc:Choice Requires="p14">
           <p:contentPart p14:bwMode="auto" r:id="rId11">
             <p14:nvContentPartPr>
               <p14:cNvPr id="14" name="Ink 13">
@@ -5993,7 +6045,7 @@
             </p14:xfrm>
           </p:contentPart>
         </mc:Choice>
-        <mc:Fallback>
+        <mc:Fallback xmlns="">
           <p:pic>
             <p:nvPicPr>
               <p:cNvPr id="14" name="Ink 13">
@@ -6077,7 +6129,7 @@
           <a:p>
             <a:r>
               <a:rPr lang="en-US" dirty="0"/>
-              <a:t>Flight Management System</a:t>
+              <a:t>Architecture Definition</a:t>
             </a:r>
           </a:p>
         </p:txBody>
@@ -6103,10 +6155,7 @@
           <a:bodyPr/>
           <a:lstStyle/>
           <a:p>
-            <a:r>
-              <a:rPr lang="en-US" dirty="0"/>
-              <a:t>Architecture</a:t>
-            </a:r>
+            <a:endParaRPr lang="en-US" dirty="0"/>
           </a:p>
         </p:txBody>
       </p:sp>
@@ -6493,8 +6542,8 @@
           </a:p>
         </p:txBody>
       </p:sp>
-      <mc:AlternateContent xmlns:mc="http://schemas.openxmlformats.org/markup-compatibility/2006">
-        <mc:Choice xmlns:p14="http://schemas.microsoft.com/office/powerpoint/2010/main" Requires="p14">
+      <mc:AlternateContent xmlns:mc="http://schemas.openxmlformats.org/markup-compatibility/2006" xmlns:p14="http://schemas.microsoft.com/office/powerpoint/2010/main">
+        <mc:Choice Requires="p14">
           <p:contentPart p14:bwMode="auto" r:id="rId9">
             <p14:nvContentPartPr>
               <p14:cNvPr id="3" name="Ink 2">
@@ -6513,7 +6562,7 @@
             </p14:xfrm>
           </p:contentPart>
         </mc:Choice>
-        <mc:Fallback>
+        <mc:Fallback xmlns="">
           <p:pic>
             <p:nvPicPr>
               <p:cNvPr id="3" name="Ink 2">
@@ -6763,8 +6812,8 @@
           </a:prstGeom>
         </p:spPr>
       </p:pic>
-      <mc:AlternateContent xmlns:mc="http://schemas.openxmlformats.org/markup-compatibility/2006">
-        <mc:Choice xmlns:p14="http://schemas.microsoft.com/office/powerpoint/2010/main" Requires="p14">
+      <mc:AlternateContent xmlns:mc="http://schemas.openxmlformats.org/markup-compatibility/2006" xmlns:p14="http://schemas.microsoft.com/office/powerpoint/2010/main">
+        <mc:Choice Requires="p14">
           <p:contentPart p14:bwMode="auto" r:id="rId4">
             <p14:nvContentPartPr>
               <p14:cNvPr id="6" name="Ink 5">
@@ -6783,7 +6832,7 @@
             </p14:xfrm>
           </p:contentPart>
         </mc:Choice>
-        <mc:Fallback>
+        <mc:Fallback xmlns="">
           <p:pic>
             <p:nvPicPr>
               <p:cNvPr id="6" name="Ink 5">
@@ -6814,8 +6863,8 @@
           </p:pic>
         </mc:Fallback>
       </mc:AlternateContent>
-      <mc:AlternateContent xmlns:mc="http://schemas.openxmlformats.org/markup-compatibility/2006">
-        <mc:Choice xmlns:p14="http://schemas.microsoft.com/office/powerpoint/2010/main" Requires="p14">
+      <mc:AlternateContent xmlns:mc="http://schemas.openxmlformats.org/markup-compatibility/2006" xmlns:p14="http://schemas.microsoft.com/office/powerpoint/2010/main">
+        <mc:Choice Requires="p14">
           <p:contentPart p14:bwMode="auto" r:id="rId6">
             <p14:nvContentPartPr>
               <p14:cNvPr id="7" name="Ink 6">
@@ -6834,7 +6883,7 @@
             </p14:xfrm>
           </p:contentPart>
         </mc:Choice>
-        <mc:Fallback>
+        <mc:Fallback xmlns="">
           <p:pic>
             <p:nvPicPr>
               <p:cNvPr id="7" name="Ink 6">
@@ -6865,8 +6914,8 @@
           </p:pic>
         </mc:Fallback>
       </mc:AlternateContent>
-      <mc:AlternateContent xmlns:mc="http://schemas.openxmlformats.org/markup-compatibility/2006">
-        <mc:Choice xmlns:p14="http://schemas.microsoft.com/office/powerpoint/2010/main" Requires="p14">
+      <mc:AlternateContent xmlns:mc="http://schemas.openxmlformats.org/markup-compatibility/2006" xmlns:p14="http://schemas.microsoft.com/office/powerpoint/2010/main">
+        <mc:Choice Requires="p14">
           <p:contentPart p14:bwMode="auto" r:id="rId8">
             <p14:nvContentPartPr>
               <p14:cNvPr id="8" name="Ink 7">
@@ -6885,7 +6934,7 @@
             </p14:xfrm>
           </p:contentPart>
         </mc:Choice>
-        <mc:Fallback>
+        <mc:Fallback xmlns="">
           <p:pic>
             <p:nvPicPr>
               <p:cNvPr id="8" name="Ink 7">
@@ -6916,8 +6965,8 @@
           </p:pic>
         </mc:Fallback>
       </mc:AlternateContent>
-      <mc:AlternateContent xmlns:mc="http://schemas.openxmlformats.org/markup-compatibility/2006">
-        <mc:Choice xmlns:p14="http://schemas.microsoft.com/office/powerpoint/2010/main" Requires="p14">
+      <mc:AlternateContent xmlns:mc="http://schemas.openxmlformats.org/markup-compatibility/2006" xmlns:p14="http://schemas.microsoft.com/office/powerpoint/2010/main">
+        <mc:Choice Requires="p14">
           <p:contentPart p14:bwMode="auto" r:id="rId10">
             <p14:nvContentPartPr>
               <p14:cNvPr id="9" name="Ink 8">
@@ -6936,7 +6985,7 @@
             </p14:xfrm>
           </p:contentPart>
         </mc:Choice>
-        <mc:Fallback>
+        <mc:Fallback xmlns="">
           <p:pic>
             <p:nvPicPr>
               <p:cNvPr id="9" name="Ink 8">
@@ -8094,6 +8143,68 @@
 </file>
 
 <file path=customXml/item1.xml><?xml version="1.0" encoding="utf-8"?>
+<p:properties xmlns:p="http://schemas.microsoft.com/office/2006/metadata/properties" xmlns:xsi="http://www.w3.org/2001/XMLSchema-instance" xmlns:pc="http://schemas.microsoft.com/office/infopath/2007/PartnerControls">
+  <documentManagement>
+    <Invited_Teachers xmlns="63f4dcc8-23b2-4165-8ac8-6dc2c11ccfd4" xsi:nil="true"/>
+    <Invited_Students xmlns="63f4dcc8-23b2-4165-8ac8-6dc2c11ccfd4" xsi:nil="true"/>
+    <IsNotebookLocked xmlns="63f4dcc8-23b2-4165-8ac8-6dc2c11ccfd4" xsi:nil="true"/>
+    <FolderType xmlns="63f4dcc8-23b2-4165-8ac8-6dc2c11ccfd4" xsi:nil="true"/>
+    <Has_Teacher_Only_SectionGroup xmlns="63f4dcc8-23b2-4165-8ac8-6dc2c11ccfd4" xsi:nil="true"/>
+    <Is_Collaboration_Space_Locked xmlns="63f4dcc8-23b2-4165-8ac8-6dc2c11ccfd4" xsi:nil="true"/>
+    <Teachers xmlns="63f4dcc8-23b2-4165-8ac8-6dc2c11ccfd4">
+      <UserInfo>
+        <DisplayName/>
+        <AccountId xsi:nil="true"/>
+        <AccountType/>
+      </UserInfo>
+    </Teachers>
+    <Self_Registration_Enabled xmlns="63f4dcc8-23b2-4165-8ac8-6dc2c11ccfd4" xsi:nil="true"/>
+    <CultureName xmlns="63f4dcc8-23b2-4165-8ac8-6dc2c11ccfd4" xsi:nil="true"/>
+    <Self_Registration_Enabled0 xmlns="63f4dcc8-23b2-4165-8ac8-6dc2c11ccfd4" xsi:nil="true"/>
+    <TeamsChannelId xmlns="63f4dcc8-23b2-4165-8ac8-6dc2c11ccfd4" xsi:nil="true"/>
+    <NotebookType xmlns="63f4dcc8-23b2-4165-8ac8-6dc2c11ccfd4" xsi:nil="true"/>
+    <Student_Groups xmlns="63f4dcc8-23b2-4165-8ac8-6dc2c11ccfd4">
+      <UserInfo>
+        <DisplayName/>
+        <AccountId xsi:nil="true"/>
+        <AccountType/>
+      </UserInfo>
+    </Student_Groups>
+    <Templates xmlns="63f4dcc8-23b2-4165-8ac8-6dc2c11ccfd4" xsi:nil="true"/>
+    <DefaultSectionNames xmlns="63f4dcc8-23b2-4165-8ac8-6dc2c11ccfd4" xsi:nil="true"/>
+    <_activity xmlns="63f4dcc8-23b2-4165-8ac8-6dc2c11ccfd4" xsi:nil="true"/>
+    <AppVersion xmlns="63f4dcc8-23b2-4165-8ac8-6dc2c11ccfd4" xsi:nil="true"/>
+    <LMS_Mappings xmlns="63f4dcc8-23b2-4165-8ac8-6dc2c11ccfd4" xsi:nil="true"/>
+    <Owner xmlns="63f4dcc8-23b2-4165-8ac8-6dc2c11ccfd4">
+      <UserInfo>
+        <DisplayName/>
+        <AccountId xsi:nil="true"/>
+        <AccountType/>
+      </UserInfo>
+    </Owner>
+    <Students xmlns="63f4dcc8-23b2-4165-8ac8-6dc2c11ccfd4">
+      <UserInfo>
+        <DisplayName/>
+        <AccountId xsi:nil="true"/>
+        <AccountType/>
+      </UserInfo>
+    </Students>
+    <Distribution_Groups xmlns="63f4dcc8-23b2-4165-8ac8-6dc2c11ccfd4" xsi:nil="true"/>
+    <Math_Settings xmlns="63f4dcc8-23b2-4165-8ac8-6dc2c11ccfd4" xsi:nil="true"/>
+  </documentManagement>
+</p:properties>
+</file>
+
+<file path=customXml/item2.xml><?xml version="1.0" encoding="utf-8"?>
+<?mso-contentType ?>
+<FormTemplates xmlns="http://schemas.microsoft.com/sharepoint/v3/contenttype/forms">
+  <Display>DocumentLibraryForm</Display>
+  <Edit>DocumentLibraryForm</Edit>
+  <New>DocumentLibraryForm</New>
+</FormTemplates>
+</file>
+
+<file path=customXml/item3.xml><?xml version="1.0" encoding="utf-8"?>
 <ct:contentTypeSchema xmlns:ct="http://schemas.microsoft.com/office/2006/metadata/contentType" xmlns:ma="http://schemas.microsoft.com/office/2006/metadata/properties/metaAttributes" ct:_="" ma:_="" ma:contentTypeName="Document" ma:contentTypeID="0x01010090467A2BA4FCEA468CA7C82922047537" ma:contentTypeVersion="29" ma:contentTypeDescription="Create a new document." ma:contentTypeScope="" ma:versionID="5d6caf6a5430d18a97512a3a1a603be1">
   <xsd:schema xmlns:xsd="http://www.w3.org/2001/XMLSchema" xmlns:xs="http://www.w3.org/2001/XMLSchema" xmlns:p="http://schemas.microsoft.com/office/2006/metadata/properties" xmlns:ns3="63f4dcc8-23b2-4165-8ac8-6dc2c11ccfd4" xmlns:ns4="ee68bd4e-dd02-4cde-9951-fda6f04219c0" targetNamespace="http://schemas.microsoft.com/office/2006/metadata/properties" ma:root="true" ma:fieldsID="747f8203d092d871bb81e9e07e7b809e" ns3:_="" ns4:_="">
     <xsd:import namespace="63f4dcc8-23b2-4165-8ac8-6dc2c11ccfd4"/>
@@ -8478,69 +8589,32 @@
 </ct:contentTypeSchema>
 </file>
 
-<file path=customXml/item2.xml><?xml version="1.0" encoding="utf-8"?>
-<?mso-contentType ?>
-<FormTemplates xmlns="http://schemas.microsoft.com/sharepoint/v3/contenttype/forms">
-  <Display>DocumentLibraryForm</Display>
-  <Edit>DocumentLibraryForm</Edit>
-  <New>DocumentLibraryForm</New>
-</FormTemplates>
+<file path=customXml/itemProps1.xml><?xml version="1.0" encoding="utf-8"?>
+<ds:datastoreItem xmlns:ds="http://schemas.openxmlformats.org/officeDocument/2006/customXml" ds:itemID="{5242C200-1ADD-41AF-BA07-127BC98753BA}">
+  <ds:schemaRefs>
+    <ds:schemaRef ds:uri="http://schemas.microsoft.com/office/2006/documentManagement/types"/>
+    <ds:schemaRef ds:uri="http://purl.org/dc/terms/"/>
+    <ds:schemaRef ds:uri="http://schemas.openxmlformats.org/package/2006/metadata/core-properties"/>
+    <ds:schemaRef ds:uri="http://purl.org/dc/dcmitype/"/>
+    <ds:schemaRef ds:uri="ee68bd4e-dd02-4cde-9951-fda6f04219c0"/>
+    <ds:schemaRef ds:uri="http://schemas.microsoft.com/office/infopath/2007/PartnerControls"/>
+    <ds:schemaRef ds:uri="http://purl.org/dc/elements/1.1/"/>
+    <ds:schemaRef ds:uri="http://www.w3.org/XML/1998/namespace"/>
+    <ds:schemaRef ds:uri="63f4dcc8-23b2-4165-8ac8-6dc2c11ccfd4"/>
+    <ds:schemaRef ds:uri="http://schemas.microsoft.com/office/2006/metadata/properties"/>
+  </ds:schemaRefs>
+</ds:datastoreItem>
 </file>
 
-<file path=customXml/item3.xml><?xml version="1.0" encoding="utf-8"?>
-<p:properties xmlns:p="http://schemas.microsoft.com/office/2006/metadata/properties" xmlns:xsi="http://www.w3.org/2001/XMLSchema-instance" xmlns:pc="http://schemas.microsoft.com/office/infopath/2007/PartnerControls">
-  <documentManagement>
-    <Invited_Teachers xmlns="63f4dcc8-23b2-4165-8ac8-6dc2c11ccfd4" xsi:nil="true"/>
-    <Invited_Students xmlns="63f4dcc8-23b2-4165-8ac8-6dc2c11ccfd4" xsi:nil="true"/>
-    <IsNotebookLocked xmlns="63f4dcc8-23b2-4165-8ac8-6dc2c11ccfd4" xsi:nil="true"/>
-    <FolderType xmlns="63f4dcc8-23b2-4165-8ac8-6dc2c11ccfd4" xsi:nil="true"/>
-    <Has_Teacher_Only_SectionGroup xmlns="63f4dcc8-23b2-4165-8ac8-6dc2c11ccfd4" xsi:nil="true"/>
-    <Is_Collaboration_Space_Locked xmlns="63f4dcc8-23b2-4165-8ac8-6dc2c11ccfd4" xsi:nil="true"/>
-    <Teachers xmlns="63f4dcc8-23b2-4165-8ac8-6dc2c11ccfd4">
-      <UserInfo>
-        <DisplayName/>
-        <AccountId xsi:nil="true"/>
-        <AccountType/>
-      </UserInfo>
-    </Teachers>
-    <Self_Registration_Enabled xmlns="63f4dcc8-23b2-4165-8ac8-6dc2c11ccfd4" xsi:nil="true"/>
-    <CultureName xmlns="63f4dcc8-23b2-4165-8ac8-6dc2c11ccfd4" xsi:nil="true"/>
-    <Self_Registration_Enabled0 xmlns="63f4dcc8-23b2-4165-8ac8-6dc2c11ccfd4" xsi:nil="true"/>
-    <TeamsChannelId xmlns="63f4dcc8-23b2-4165-8ac8-6dc2c11ccfd4" xsi:nil="true"/>
-    <NotebookType xmlns="63f4dcc8-23b2-4165-8ac8-6dc2c11ccfd4" xsi:nil="true"/>
-    <Student_Groups xmlns="63f4dcc8-23b2-4165-8ac8-6dc2c11ccfd4">
-      <UserInfo>
-        <DisplayName/>
-        <AccountId xsi:nil="true"/>
-        <AccountType/>
-      </UserInfo>
-    </Student_Groups>
-    <Templates xmlns="63f4dcc8-23b2-4165-8ac8-6dc2c11ccfd4" xsi:nil="true"/>
-    <DefaultSectionNames xmlns="63f4dcc8-23b2-4165-8ac8-6dc2c11ccfd4" xsi:nil="true"/>
-    <_activity xmlns="63f4dcc8-23b2-4165-8ac8-6dc2c11ccfd4" xsi:nil="true"/>
-    <AppVersion xmlns="63f4dcc8-23b2-4165-8ac8-6dc2c11ccfd4" xsi:nil="true"/>
-    <LMS_Mappings xmlns="63f4dcc8-23b2-4165-8ac8-6dc2c11ccfd4" xsi:nil="true"/>
-    <Owner xmlns="63f4dcc8-23b2-4165-8ac8-6dc2c11ccfd4">
-      <UserInfo>
-        <DisplayName/>
-        <AccountId xsi:nil="true"/>
-        <AccountType/>
-      </UserInfo>
-    </Owner>
-    <Students xmlns="63f4dcc8-23b2-4165-8ac8-6dc2c11ccfd4">
-      <UserInfo>
-        <DisplayName/>
-        <AccountId xsi:nil="true"/>
-        <AccountType/>
-      </UserInfo>
-    </Students>
-    <Distribution_Groups xmlns="63f4dcc8-23b2-4165-8ac8-6dc2c11ccfd4" xsi:nil="true"/>
-    <Math_Settings xmlns="63f4dcc8-23b2-4165-8ac8-6dc2c11ccfd4" xsi:nil="true"/>
-  </documentManagement>
-</p:properties>
+<file path=customXml/itemProps2.xml><?xml version="1.0" encoding="utf-8"?>
+<ds:datastoreItem xmlns:ds="http://schemas.openxmlformats.org/officeDocument/2006/customXml" ds:itemID="{3F4CE006-2792-4468-9F39-3F89479E4628}">
+  <ds:schemaRefs>
+    <ds:schemaRef ds:uri="http://schemas.microsoft.com/sharepoint/v3/contenttype/forms"/>
+  </ds:schemaRefs>
+</ds:datastoreItem>
 </file>
 
-<file path=customXml/itemProps1.xml><?xml version="1.0" encoding="utf-8"?>
+<file path=customXml/itemProps3.xml><?xml version="1.0" encoding="utf-8"?>
 <ds:datastoreItem xmlns:ds="http://schemas.openxmlformats.org/officeDocument/2006/customXml" ds:itemID="{0226DCEA-2B85-46A5-AEB9-72E813394D8F}">
   <ds:schemaRefs>
     <ds:schemaRef ds:uri="http://schemas.microsoft.com/office/2006/metadata/contentType"/>
@@ -8557,29 +8631,4 @@
     <ds:schemaRef ds:uri="http://schemas.microsoft.com/internal/obd"/>
   </ds:schemaRefs>
 </ds:datastoreItem>
-</file>
-
-<file path=customXml/itemProps2.xml><?xml version="1.0" encoding="utf-8"?>
-<ds:datastoreItem xmlns:ds="http://schemas.openxmlformats.org/officeDocument/2006/customXml" ds:itemID="{3F4CE006-2792-4468-9F39-3F89479E4628}">
-  <ds:schemaRefs>
-    <ds:schemaRef ds:uri="http://schemas.microsoft.com/sharepoint/v3/contenttype/forms"/>
-  </ds:schemaRefs>
-</ds:datastoreItem>
-</file>
-
-<file path=customXml/itemProps3.xml><?xml version="1.0" encoding="utf-8"?>
-<ds:datastoreItem xmlns:ds="http://schemas.openxmlformats.org/officeDocument/2006/customXml" ds:itemID="{5242C200-1ADD-41AF-BA07-127BC98753BA}">
-  <ds:schemaRefs>
-    <ds:schemaRef ds:uri="http://schemas.microsoft.com/office/2006/documentManagement/types"/>
-    <ds:schemaRef ds:uri="http://purl.org/dc/terms/"/>
-    <ds:schemaRef ds:uri="http://schemas.openxmlformats.org/package/2006/metadata/core-properties"/>
-    <ds:schemaRef ds:uri="http://purl.org/dc/dcmitype/"/>
-    <ds:schemaRef ds:uri="ee68bd4e-dd02-4cde-9951-fda6f04219c0"/>
-    <ds:schemaRef ds:uri="http://schemas.microsoft.com/office/infopath/2007/PartnerControls"/>
-    <ds:schemaRef ds:uri="http://purl.org/dc/elements/1.1/"/>
-    <ds:schemaRef ds:uri="http://www.w3.org/XML/1998/namespace"/>
-    <ds:schemaRef ds:uri="63f4dcc8-23b2-4165-8ac8-6dc2c11ccfd4"/>
-    <ds:schemaRef ds:uri="http://schemas.microsoft.com/office/2006/metadata/properties"/>
-  </ds:schemaRefs>
-</ds:datastoreItem>
 </file>
--- a/docs/FMS -Implementation approach.pptx
+++ b/docs/FMS -Implementation approach.pptx
@@ -831,7 +831,7 @@
           <a:p>
             <a:fld id="{82DB116C-EFE7-4760-B4B7-A4181F30F188}" type="datetimeFigureOut">
               <a:rPr lang="en-US" smtClean="0"/>
-              <a:t>5/14/2023</a:t>
+              <a:t>5/16/2023</a:t>
             </a:fld>
             <a:endParaRPr lang="en-US"/>
           </a:p>
@@ -1029,7 +1029,7 @@
           <a:p>
             <a:fld id="{82DB116C-EFE7-4760-B4B7-A4181F30F188}" type="datetimeFigureOut">
               <a:rPr lang="en-US" smtClean="0"/>
-              <a:t>5/14/2023</a:t>
+              <a:t>5/16/2023</a:t>
             </a:fld>
             <a:endParaRPr lang="en-US"/>
           </a:p>
@@ -1237,7 +1237,7 @@
           <a:p>
             <a:fld id="{82DB116C-EFE7-4760-B4B7-A4181F30F188}" type="datetimeFigureOut">
               <a:rPr lang="en-US" smtClean="0"/>
-              <a:t>5/14/2023</a:t>
+              <a:t>5/16/2023</a:t>
             </a:fld>
             <a:endParaRPr lang="en-US"/>
           </a:p>
@@ -1435,7 +1435,7 @@
           <a:p>
             <a:fld id="{82DB116C-EFE7-4760-B4B7-A4181F30F188}" type="datetimeFigureOut">
               <a:rPr lang="en-US" smtClean="0"/>
-              <a:t>5/14/2023</a:t>
+              <a:t>5/16/2023</a:t>
             </a:fld>
             <a:endParaRPr lang="en-US"/>
           </a:p>
@@ -1710,7 +1710,7 @@
           <a:p>
             <a:fld id="{82DB116C-EFE7-4760-B4B7-A4181F30F188}" type="datetimeFigureOut">
               <a:rPr lang="en-US" smtClean="0"/>
-              <a:t>5/14/2023</a:t>
+              <a:t>5/16/2023</a:t>
             </a:fld>
             <a:endParaRPr lang="en-US"/>
           </a:p>
@@ -1975,7 +1975,7 @@
           <a:p>
             <a:fld id="{82DB116C-EFE7-4760-B4B7-A4181F30F188}" type="datetimeFigureOut">
               <a:rPr lang="en-US" smtClean="0"/>
-              <a:t>5/14/2023</a:t>
+              <a:t>5/16/2023</a:t>
             </a:fld>
             <a:endParaRPr lang="en-US"/>
           </a:p>
@@ -2387,7 +2387,7 @@
           <a:p>
             <a:fld id="{82DB116C-EFE7-4760-B4B7-A4181F30F188}" type="datetimeFigureOut">
               <a:rPr lang="en-US" smtClean="0"/>
-              <a:t>5/14/2023</a:t>
+              <a:t>5/16/2023</a:t>
             </a:fld>
             <a:endParaRPr lang="en-US"/>
           </a:p>
@@ -2528,7 +2528,7 @@
           <a:p>
             <a:fld id="{82DB116C-EFE7-4760-B4B7-A4181F30F188}" type="datetimeFigureOut">
               <a:rPr lang="en-US" smtClean="0"/>
-              <a:t>5/14/2023</a:t>
+              <a:t>5/16/2023</a:t>
             </a:fld>
             <a:endParaRPr lang="en-US"/>
           </a:p>
@@ -2641,7 +2641,7 @@
           <a:p>
             <a:fld id="{82DB116C-EFE7-4760-B4B7-A4181F30F188}" type="datetimeFigureOut">
               <a:rPr lang="en-US" smtClean="0"/>
-              <a:t>5/14/2023</a:t>
+              <a:t>5/16/2023</a:t>
             </a:fld>
             <a:endParaRPr lang="en-US"/>
           </a:p>
@@ -2952,7 +2952,7 @@
           <a:p>
             <a:fld id="{82DB116C-EFE7-4760-B4B7-A4181F30F188}" type="datetimeFigureOut">
               <a:rPr lang="en-US" smtClean="0"/>
-              <a:t>5/14/2023</a:t>
+              <a:t>5/16/2023</a:t>
             </a:fld>
             <a:endParaRPr lang="en-US"/>
           </a:p>
@@ -3240,7 +3240,7 @@
           <a:p>
             <a:fld id="{82DB116C-EFE7-4760-B4B7-A4181F30F188}" type="datetimeFigureOut">
               <a:rPr lang="en-US" smtClean="0"/>
-              <a:t>5/14/2023</a:t>
+              <a:t>5/16/2023</a:t>
             </a:fld>
             <a:endParaRPr lang="en-US"/>
           </a:p>
@@ -3481,7 +3481,7 @@
           <a:p>
             <a:fld id="{82DB116C-EFE7-4760-B4B7-A4181F30F188}" type="datetimeFigureOut">
               <a:rPr lang="en-US" smtClean="0"/>
-              <a:t>5/14/2023</a:t>
+              <a:t>5/16/2023</a:t>
             </a:fld>
             <a:endParaRPr lang="en-US"/>
           </a:p>
@@ -5051,7 +5051,7 @@
             </a:pPr>
             <a:r>
               <a:rPr lang="en-US" dirty="0"/>
-              <a:t>Create initial maven project (in NetBeans for this example) and save it in local cloned repository</a:t>
+              <a:t>Create initial maven project (in NetBeans for this example) </a:t>
             </a:r>
           </a:p>
           <a:p>
@@ -5242,7 +5242,12 @@
             <p:ph sz="half" idx="2"/>
           </p:nvPr>
         </p:nvSpPr>
-        <p:spPr/>
+        <p:spPr>
+          <a:xfrm>
+            <a:off x="6372225" y="2297853"/>
+            <a:ext cx="5181600" cy="4351338"/>
+          </a:xfrm>
+        </p:spPr>
         <p:txBody>
           <a:bodyPr/>
           <a:lstStyle/>
@@ -5277,10 +5282,10 @@
             </a:r>
           </a:p>
           <a:p>
-            <a:r>
-              <a:rPr lang="en-US" dirty="0"/>
-              <a:t>Collaborating with team members</a:t>
-            </a:r>
+            <a:pPr marL="0" indent="0">
+              <a:buNone/>
+            </a:pPr>
+            <a:endParaRPr lang="en-US" dirty="0"/>
           </a:p>
         </p:txBody>
       </p:sp>
@@ -5331,6 +5336,88 @@
           </a:extLst>
         </p:spPr>
       </p:pic>
+      <p:sp>
+        <p:nvSpPr>
+          <p:cNvPr id="6" name="Right Brace 5">
+            <a:extLst>
+              <a:ext uri="{FF2B5EF4-FFF2-40B4-BE49-F238E27FC236}">
+                <a16:creationId xmlns:a16="http://schemas.microsoft.com/office/drawing/2014/main" id="{8D2C3149-849D-F23A-3761-6E0CD3FB47B0}"/>
+              </a:ext>
+            </a:extLst>
+          </p:cNvPr>
+          <p:cNvSpPr/>
+          <p:nvPr/>
+        </p:nvSpPr>
+        <p:spPr>
+          <a:xfrm>
+            <a:off x="10615423" y="1978194"/>
+            <a:ext cx="230820" cy="3595456"/>
+          </a:xfrm>
+          <a:prstGeom prst="rightBrace">
+            <a:avLst/>
+          </a:prstGeom>
+        </p:spPr>
+        <p:style>
+          <a:lnRef idx="1">
+            <a:schemeClr val="accent1"/>
+          </a:lnRef>
+          <a:fillRef idx="0">
+            <a:schemeClr val="accent1"/>
+          </a:fillRef>
+          <a:effectRef idx="0">
+            <a:schemeClr val="accent1"/>
+          </a:effectRef>
+          <a:fontRef idx="minor">
+            <a:schemeClr val="tx1"/>
+          </a:fontRef>
+        </p:style>
+        <p:txBody>
+          <a:bodyPr rtlCol="0" anchor="ctr"/>
+          <a:lstStyle/>
+          <a:p>
+            <a:pPr algn="ctr"/>
+            <a:endParaRPr lang="en-US"/>
+          </a:p>
+        </p:txBody>
+      </p:sp>
+      <p:sp>
+        <p:nvSpPr>
+          <p:cNvPr id="8" name="TextBox 7">
+            <a:extLst>
+              <a:ext uri="{FF2B5EF4-FFF2-40B4-BE49-F238E27FC236}">
+                <a16:creationId xmlns:a16="http://schemas.microsoft.com/office/drawing/2014/main" id="{FCF322E0-E4BE-2C97-C023-904AFBFEBFE9}"/>
+              </a:ext>
+            </a:extLst>
+          </p:cNvPr>
+          <p:cNvSpPr txBox="1"/>
+          <p:nvPr/>
+        </p:nvSpPr>
+        <p:spPr>
+          <a:xfrm rot="5400000">
+            <a:off x="9623078" y="3642903"/>
+            <a:ext cx="3492162" cy="369332"/>
+          </a:xfrm>
+          <a:prstGeom prst="rect">
+            <a:avLst/>
+          </a:prstGeom>
+          <a:noFill/>
+        </p:spPr>
+        <p:txBody>
+          <a:bodyPr wrap="square">
+            <a:spAutoFit/>
+          </a:bodyPr>
+          <a:lstStyle/>
+          <a:p>
+            <a:pPr marL="0" indent="0">
+              <a:buNone/>
+            </a:pPr>
+            <a:r>
+              <a:rPr lang="en-US" i="1" dirty="0"/>
+              <a:t>Collaborating with team members</a:t>
+            </a:r>
+          </a:p>
+        </p:txBody>
+      </p:sp>
     </p:spTree>
     <p:extLst>
       <p:ext uri="{BB962C8B-B14F-4D97-AF65-F5344CB8AC3E}">
@@ -5864,7 +5951,7 @@
         </p:blipFill>
         <p:spPr>
           <a:xfrm>
-            <a:off x="1000169" y="3429000"/>
+            <a:off x="968582" y="3456475"/>
             <a:ext cx="4771981" cy="3358060"/>
           </a:xfrm>
           <a:prstGeom prst="rect">
@@ -6076,6 +6163,168 @@
           </p:pic>
         </mc:Fallback>
       </mc:AlternateContent>
+      <p:sp>
+        <p:nvSpPr>
+          <p:cNvPr id="2" name="Rectangle 1">
+            <a:extLst>
+              <a:ext uri="{FF2B5EF4-FFF2-40B4-BE49-F238E27FC236}">
+                <a16:creationId xmlns:a16="http://schemas.microsoft.com/office/drawing/2014/main" id="{AB387AA4-6AB1-2C1C-18E1-427DF1827AA7}"/>
+              </a:ext>
+            </a:extLst>
+          </p:cNvPr>
+          <p:cNvSpPr/>
+          <p:nvPr/>
+        </p:nvSpPr>
+        <p:spPr>
+          <a:xfrm>
+            <a:off x="512538" y="3415338"/>
+            <a:ext cx="5341029" cy="3349445"/>
+          </a:xfrm>
+          <a:prstGeom prst="rect">
+            <a:avLst/>
+          </a:prstGeom>
+          <a:noFill/>
+          <a:ln w="9525" cap="flat" cmpd="sng" algn="ctr">
+            <a:solidFill>
+              <a:schemeClr val="accent1"/>
+            </a:solidFill>
+            <a:prstDash val="solid"/>
+            <a:round/>
+            <a:headEnd type="none" w="med" len="med"/>
+            <a:tailEnd type="none" w="med" len="med"/>
+          </a:ln>
+        </p:spPr>
+        <p:style>
+          <a:lnRef idx="0">
+            <a:scrgbClr r="0" g="0" b="0"/>
+          </a:lnRef>
+          <a:fillRef idx="0">
+            <a:scrgbClr r="0" g="0" b="0"/>
+          </a:fillRef>
+          <a:effectRef idx="0">
+            <a:scrgbClr r="0" g="0" b="0"/>
+          </a:effectRef>
+          <a:fontRef idx="minor">
+            <a:schemeClr val="accent1"/>
+          </a:fontRef>
+        </p:style>
+        <p:txBody>
+          <a:bodyPr rtlCol="0" anchor="ctr"/>
+          <a:lstStyle/>
+          <a:p>
+            <a:pPr algn="ctr"/>
+            <a:endParaRPr lang="en-US"/>
+          </a:p>
+        </p:txBody>
+      </p:sp>
+      <p:sp>
+        <p:nvSpPr>
+          <p:cNvPr id="3" name="Rectangle 2">
+            <a:extLst>
+              <a:ext uri="{FF2B5EF4-FFF2-40B4-BE49-F238E27FC236}">
+                <a16:creationId xmlns:a16="http://schemas.microsoft.com/office/drawing/2014/main" id="{E3A07A65-F79B-6B9E-678B-A85502F1AFAB}"/>
+              </a:ext>
+            </a:extLst>
+          </p:cNvPr>
+          <p:cNvSpPr/>
+          <p:nvPr/>
+        </p:nvSpPr>
+        <p:spPr>
+          <a:xfrm>
+            <a:off x="6338433" y="671694"/>
+            <a:ext cx="5317947" cy="4567056"/>
+          </a:xfrm>
+          <a:prstGeom prst="rect">
+            <a:avLst/>
+          </a:prstGeom>
+          <a:noFill/>
+          <a:ln w="9525" cap="flat" cmpd="sng" algn="ctr">
+            <a:solidFill>
+              <a:schemeClr val="accent1"/>
+            </a:solidFill>
+            <a:prstDash val="solid"/>
+            <a:round/>
+            <a:headEnd type="none" w="med" len="med"/>
+            <a:tailEnd type="none" w="med" len="med"/>
+          </a:ln>
+        </p:spPr>
+        <p:style>
+          <a:lnRef idx="0">
+            <a:scrgbClr r="0" g="0" b="0"/>
+          </a:lnRef>
+          <a:fillRef idx="0">
+            <a:scrgbClr r="0" g="0" b="0"/>
+          </a:fillRef>
+          <a:effectRef idx="0">
+            <a:scrgbClr r="0" g="0" b="0"/>
+          </a:effectRef>
+          <a:fontRef idx="minor">
+            <a:schemeClr val="accent1"/>
+          </a:fontRef>
+        </p:style>
+        <p:txBody>
+          <a:bodyPr rtlCol="0" anchor="ctr"/>
+          <a:lstStyle/>
+          <a:p>
+            <a:pPr algn="ctr"/>
+            <a:endParaRPr lang="en-US"/>
+          </a:p>
+        </p:txBody>
+      </p:sp>
+      <p:sp>
+        <p:nvSpPr>
+          <p:cNvPr id="4" name="Rectangle 3">
+            <a:extLst>
+              <a:ext uri="{FF2B5EF4-FFF2-40B4-BE49-F238E27FC236}">
+                <a16:creationId xmlns:a16="http://schemas.microsoft.com/office/drawing/2014/main" id="{2C6E7BCA-EE9C-F12A-7A5A-CE8C4A057393}"/>
+              </a:ext>
+            </a:extLst>
+          </p:cNvPr>
+          <p:cNvSpPr/>
+          <p:nvPr/>
+        </p:nvSpPr>
+        <p:spPr>
+          <a:xfrm>
+            <a:off x="433884" y="209101"/>
+            <a:ext cx="5182797" cy="3135694"/>
+          </a:xfrm>
+          <a:prstGeom prst="rect">
+            <a:avLst/>
+          </a:prstGeom>
+          <a:noFill/>
+          <a:ln w="9525" cap="flat" cmpd="sng" algn="ctr">
+            <a:solidFill>
+              <a:schemeClr val="accent1"/>
+            </a:solidFill>
+            <a:prstDash val="solid"/>
+            <a:round/>
+            <a:headEnd type="none" w="med" len="med"/>
+            <a:tailEnd type="none" w="med" len="med"/>
+          </a:ln>
+        </p:spPr>
+        <p:style>
+          <a:lnRef idx="0">
+            <a:scrgbClr r="0" g="0" b="0"/>
+          </a:lnRef>
+          <a:fillRef idx="0">
+            <a:scrgbClr r="0" g="0" b="0"/>
+          </a:fillRef>
+          <a:effectRef idx="0">
+            <a:scrgbClr r="0" g="0" b="0"/>
+          </a:effectRef>
+          <a:fontRef idx="minor">
+            <a:schemeClr val="accent1"/>
+          </a:fontRef>
+        </p:style>
+        <p:txBody>
+          <a:bodyPr rtlCol="0" anchor="ctr"/>
+          <a:lstStyle/>
+          <a:p>
+            <a:pPr algn="ctr"/>
+            <a:endParaRPr lang="en-US"/>
+          </a:p>
+        </p:txBody>
+      </p:sp>
     </p:spTree>
     <p:extLst>
       <p:ext uri="{BB962C8B-B14F-4D97-AF65-F5344CB8AC3E}">
@@ -8143,68 +8392,6 @@
 </file>
 
 <file path=customXml/item1.xml><?xml version="1.0" encoding="utf-8"?>
-<p:properties xmlns:p="http://schemas.microsoft.com/office/2006/metadata/properties" xmlns:xsi="http://www.w3.org/2001/XMLSchema-instance" xmlns:pc="http://schemas.microsoft.com/office/infopath/2007/PartnerControls">
-  <documentManagement>
-    <Invited_Teachers xmlns="63f4dcc8-23b2-4165-8ac8-6dc2c11ccfd4" xsi:nil="true"/>
-    <Invited_Students xmlns="63f4dcc8-23b2-4165-8ac8-6dc2c11ccfd4" xsi:nil="true"/>
-    <IsNotebookLocked xmlns="63f4dcc8-23b2-4165-8ac8-6dc2c11ccfd4" xsi:nil="true"/>
-    <FolderType xmlns="63f4dcc8-23b2-4165-8ac8-6dc2c11ccfd4" xsi:nil="true"/>
-    <Has_Teacher_Only_SectionGroup xmlns="63f4dcc8-23b2-4165-8ac8-6dc2c11ccfd4" xsi:nil="true"/>
-    <Is_Collaboration_Space_Locked xmlns="63f4dcc8-23b2-4165-8ac8-6dc2c11ccfd4" xsi:nil="true"/>
-    <Teachers xmlns="63f4dcc8-23b2-4165-8ac8-6dc2c11ccfd4">
-      <UserInfo>
-        <DisplayName/>
-        <AccountId xsi:nil="true"/>
-        <AccountType/>
-      </UserInfo>
-    </Teachers>
-    <Self_Registration_Enabled xmlns="63f4dcc8-23b2-4165-8ac8-6dc2c11ccfd4" xsi:nil="true"/>
-    <CultureName xmlns="63f4dcc8-23b2-4165-8ac8-6dc2c11ccfd4" xsi:nil="true"/>
-    <Self_Registration_Enabled0 xmlns="63f4dcc8-23b2-4165-8ac8-6dc2c11ccfd4" xsi:nil="true"/>
-    <TeamsChannelId xmlns="63f4dcc8-23b2-4165-8ac8-6dc2c11ccfd4" xsi:nil="true"/>
-    <NotebookType xmlns="63f4dcc8-23b2-4165-8ac8-6dc2c11ccfd4" xsi:nil="true"/>
-    <Student_Groups xmlns="63f4dcc8-23b2-4165-8ac8-6dc2c11ccfd4">
-      <UserInfo>
-        <DisplayName/>
-        <AccountId xsi:nil="true"/>
-        <AccountType/>
-      </UserInfo>
-    </Student_Groups>
-    <Templates xmlns="63f4dcc8-23b2-4165-8ac8-6dc2c11ccfd4" xsi:nil="true"/>
-    <DefaultSectionNames xmlns="63f4dcc8-23b2-4165-8ac8-6dc2c11ccfd4" xsi:nil="true"/>
-    <_activity xmlns="63f4dcc8-23b2-4165-8ac8-6dc2c11ccfd4" xsi:nil="true"/>
-    <AppVersion xmlns="63f4dcc8-23b2-4165-8ac8-6dc2c11ccfd4" xsi:nil="true"/>
-    <LMS_Mappings xmlns="63f4dcc8-23b2-4165-8ac8-6dc2c11ccfd4" xsi:nil="true"/>
-    <Owner xmlns="63f4dcc8-23b2-4165-8ac8-6dc2c11ccfd4">
-      <UserInfo>
-        <DisplayName/>
-        <AccountId xsi:nil="true"/>
-        <AccountType/>
-      </UserInfo>
-    </Owner>
-    <Students xmlns="63f4dcc8-23b2-4165-8ac8-6dc2c11ccfd4">
-      <UserInfo>
-        <DisplayName/>
-        <AccountId xsi:nil="true"/>
-        <AccountType/>
-      </UserInfo>
-    </Students>
-    <Distribution_Groups xmlns="63f4dcc8-23b2-4165-8ac8-6dc2c11ccfd4" xsi:nil="true"/>
-    <Math_Settings xmlns="63f4dcc8-23b2-4165-8ac8-6dc2c11ccfd4" xsi:nil="true"/>
-  </documentManagement>
-</p:properties>
-</file>
-
-<file path=customXml/item2.xml><?xml version="1.0" encoding="utf-8"?>
-<?mso-contentType ?>
-<FormTemplates xmlns="http://schemas.microsoft.com/sharepoint/v3/contenttype/forms">
-  <Display>DocumentLibraryForm</Display>
-  <Edit>DocumentLibraryForm</Edit>
-  <New>DocumentLibraryForm</New>
-</FormTemplates>
-</file>
-
-<file path=customXml/item3.xml><?xml version="1.0" encoding="utf-8"?>
 <ct:contentTypeSchema xmlns:ct="http://schemas.microsoft.com/office/2006/metadata/contentType" xmlns:ma="http://schemas.microsoft.com/office/2006/metadata/properties/metaAttributes" ct:_="" ma:_="" ma:contentTypeName="Document" ma:contentTypeID="0x01010090467A2BA4FCEA468CA7C82922047537" ma:contentTypeVersion="29" ma:contentTypeDescription="Create a new document." ma:contentTypeScope="" ma:versionID="5d6caf6a5430d18a97512a3a1a603be1">
   <xsd:schema xmlns:xsd="http://www.w3.org/2001/XMLSchema" xmlns:xs="http://www.w3.org/2001/XMLSchema" xmlns:p="http://schemas.microsoft.com/office/2006/metadata/properties" xmlns:ns3="63f4dcc8-23b2-4165-8ac8-6dc2c11ccfd4" xmlns:ns4="ee68bd4e-dd02-4cde-9951-fda6f04219c0" targetNamespace="http://schemas.microsoft.com/office/2006/metadata/properties" ma:root="true" ma:fieldsID="747f8203d092d871bb81e9e07e7b809e" ns3:_="" ns4:_="">
     <xsd:import namespace="63f4dcc8-23b2-4165-8ac8-6dc2c11ccfd4"/>
@@ -8589,32 +8776,69 @@
 </ct:contentTypeSchema>
 </file>
 
-<file path=customXml/itemProps1.xml><?xml version="1.0" encoding="utf-8"?>
-<ds:datastoreItem xmlns:ds="http://schemas.openxmlformats.org/officeDocument/2006/customXml" ds:itemID="{5242C200-1ADD-41AF-BA07-127BC98753BA}">
-  <ds:schemaRefs>
-    <ds:schemaRef ds:uri="http://schemas.microsoft.com/office/2006/documentManagement/types"/>
-    <ds:schemaRef ds:uri="http://purl.org/dc/terms/"/>
-    <ds:schemaRef ds:uri="http://schemas.openxmlformats.org/package/2006/metadata/core-properties"/>
-    <ds:schemaRef ds:uri="http://purl.org/dc/dcmitype/"/>
-    <ds:schemaRef ds:uri="ee68bd4e-dd02-4cde-9951-fda6f04219c0"/>
-    <ds:schemaRef ds:uri="http://schemas.microsoft.com/office/infopath/2007/PartnerControls"/>
-    <ds:schemaRef ds:uri="http://purl.org/dc/elements/1.1/"/>
-    <ds:schemaRef ds:uri="http://www.w3.org/XML/1998/namespace"/>
-    <ds:schemaRef ds:uri="63f4dcc8-23b2-4165-8ac8-6dc2c11ccfd4"/>
-    <ds:schemaRef ds:uri="http://schemas.microsoft.com/office/2006/metadata/properties"/>
-  </ds:schemaRefs>
-</ds:datastoreItem>
+<file path=customXml/item2.xml><?xml version="1.0" encoding="utf-8"?>
+<?mso-contentType ?>
+<FormTemplates xmlns="http://schemas.microsoft.com/sharepoint/v3/contenttype/forms">
+  <Display>DocumentLibraryForm</Display>
+  <Edit>DocumentLibraryForm</Edit>
+  <New>DocumentLibraryForm</New>
+</FormTemplates>
 </file>
 
-<file path=customXml/itemProps2.xml><?xml version="1.0" encoding="utf-8"?>
-<ds:datastoreItem xmlns:ds="http://schemas.openxmlformats.org/officeDocument/2006/customXml" ds:itemID="{3F4CE006-2792-4468-9F39-3F89479E4628}">
-  <ds:schemaRefs>
-    <ds:schemaRef ds:uri="http://schemas.microsoft.com/sharepoint/v3/contenttype/forms"/>
-  </ds:schemaRefs>
-</ds:datastoreItem>
+<file path=customXml/item3.xml><?xml version="1.0" encoding="utf-8"?>
+<p:properties xmlns:p="http://schemas.microsoft.com/office/2006/metadata/properties" xmlns:xsi="http://www.w3.org/2001/XMLSchema-instance" xmlns:pc="http://schemas.microsoft.com/office/infopath/2007/PartnerControls">
+  <documentManagement>
+    <Invited_Teachers xmlns="63f4dcc8-23b2-4165-8ac8-6dc2c11ccfd4" xsi:nil="true"/>
+    <Invited_Students xmlns="63f4dcc8-23b2-4165-8ac8-6dc2c11ccfd4" xsi:nil="true"/>
+    <IsNotebookLocked xmlns="63f4dcc8-23b2-4165-8ac8-6dc2c11ccfd4" xsi:nil="true"/>
+    <FolderType xmlns="63f4dcc8-23b2-4165-8ac8-6dc2c11ccfd4" xsi:nil="true"/>
+    <Has_Teacher_Only_SectionGroup xmlns="63f4dcc8-23b2-4165-8ac8-6dc2c11ccfd4" xsi:nil="true"/>
+    <Is_Collaboration_Space_Locked xmlns="63f4dcc8-23b2-4165-8ac8-6dc2c11ccfd4" xsi:nil="true"/>
+    <Teachers xmlns="63f4dcc8-23b2-4165-8ac8-6dc2c11ccfd4">
+      <UserInfo>
+        <DisplayName/>
+        <AccountId xsi:nil="true"/>
+        <AccountType/>
+      </UserInfo>
+    </Teachers>
+    <Self_Registration_Enabled xmlns="63f4dcc8-23b2-4165-8ac8-6dc2c11ccfd4" xsi:nil="true"/>
+    <CultureName xmlns="63f4dcc8-23b2-4165-8ac8-6dc2c11ccfd4" xsi:nil="true"/>
+    <Self_Registration_Enabled0 xmlns="63f4dcc8-23b2-4165-8ac8-6dc2c11ccfd4" xsi:nil="true"/>
+    <TeamsChannelId xmlns="63f4dcc8-23b2-4165-8ac8-6dc2c11ccfd4" xsi:nil="true"/>
+    <NotebookType xmlns="63f4dcc8-23b2-4165-8ac8-6dc2c11ccfd4" xsi:nil="true"/>
+    <Student_Groups xmlns="63f4dcc8-23b2-4165-8ac8-6dc2c11ccfd4">
+      <UserInfo>
+        <DisplayName/>
+        <AccountId xsi:nil="true"/>
+        <AccountType/>
+      </UserInfo>
+    </Student_Groups>
+    <Templates xmlns="63f4dcc8-23b2-4165-8ac8-6dc2c11ccfd4" xsi:nil="true"/>
+    <DefaultSectionNames xmlns="63f4dcc8-23b2-4165-8ac8-6dc2c11ccfd4" xsi:nil="true"/>
+    <_activity xmlns="63f4dcc8-23b2-4165-8ac8-6dc2c11ccfd4" xsi:nil="true"/>
+    <AppVersion xmlns="63f4dcc8-23b2-4165-8ac8-6dc2c11ccfd4" xsi:nil="true"/>
+    <LMS_Mappings xmlns="63f4dcc8-23b2-4165-8ac8-6dc2c11ccfd4" xsi:nil="true"/>
+    <Owner xmlns="63f4dcc8-23b2-4165-8ac8-6dc2c11ccfd4">
+      <UserInfo>
+        <DisplayName/>
+        <AccountId xsi:nil="true"/>
+        <AccountType/>
+      </UserInfo>
+    </Owner>
+    <Students xmlns="63f4dcc8-23b2-4165-8ac8-6dc2c11ccfd4">
+      <UserInfo>
+        <DisplayName/>
+        <AccountId xsi:nil="true"/>
+        <AccountType/>
+      </UserInfo>
+    </Students>
+    <Distribution_Groups xmlns="63f4dcc8-23b2-4165-8ac8-6dc2c11ccfd4" xsi:nil="true"/>
+    <Math_Settings xmlns="63f4dcc8-23b2-4165-8ac8-6dc2c11ccfd4" xsi:nil="true"/>
+  </documentManagement>
+</p:properties>
 </file>
 
-<file path=customXml/itemProps3.xml><?xml version="1.0" encoding="utf-8"?>
+<file path=customXml/itemProps1.xml><?xml version="1.0" encoding="utf-8"?>
 <ds:datastoreItem xmlns:ds="http://schemas.openxmlformats.org/officeDocument/2006/customXml" ds:itemID="{0226DCEA-2B85-46A5-AEB9-72E813394D8F}">
   <ds:schemaRefs>
     <ds:schemaRef ds:uri="http://schemas.microsoft.com/office/2006/metadata/contentType"/>
@@ -8631,4 +8855,29 @@
     <ds:schemaRef ds:uri="http://schemas.microsoft.com/internal/obd"/>
   </ds:schemaRefs>
 </ds:datastoreItem>
+</file>
+
+<file path=customXml/itemProps2.xml><?xml version="1.0" encoding="utf-8"?>
+<ds:datastoreItem xmlns:ds="http://schemas.openxmlformats.org/officeDocument/2006/customXml" ds:itemID="{3F4CE006-2792-4468-9F39-3F89479E4628}">
+  <ds:schemaRefs>
+    <ds:schemaRef ds:uri="http://schemas.microsoft.com/sharepoint/v3/contenttype/forms"/>
+  </ds:schemaRefs>
+</ds:datastoreItem>
+</file>
+
+<file path=customXml/itemProps3.xml><?xml version="1.0" encoding="utf-8"?>
+<ds:datastoreItem xmlns:ds="http://schemas.openxmlformats.org/officeDocument/2006/customXml" ds:itemID="{5242C200-1ADD-41AF-BA07-127BC98753BA}">
+  <ds:schemaRefs>
+    <ds:schemaRef ds:uri="http://schemas.microsoft.com/office/2006/documentManagement/types"/>
+    <ds:schemaRef ds:uri="http://purl.org/dc/terms/"/>
+    <ds:schemaRef ds:uri="http://schemas.openxmlformats.org/package/2006/metadata/core-properties"/>
+    <ds:schemaRef ds:uri="http://purl.org/dc/dcmitype/"/>
+    <ds:schemaRef ds:uri="ee68bd4e-dd02-4cde-9951-fda6f04219c0"/>
+    <ds:schemaRef ds:uri="http://schemas.microsoft.com/office/infopath/2007/PartnerControls"/>
+    <ds:schemaRef ds:uri="http://purl.org/dc/elements/1.1/"/>
+    <ds:schemaRef ds:uri="http://www.w3.org/XML/1998/namespace"/>
+    <ds:schemaRef ds:uri="63f4dcc8-23b2-4165-8ac8-6dc2c11ccfd4"/>
+    <ds:schemaRef ds:uri="http://schemas.microsoft.com/office/2006/metadata/properties"/>
+  </ds:schemaRefs>
+</ds:datastoreItem>
 </file>